--- a/Global-optimization-using-meta-Heuristics-master (1)/Global-optimization-using-meta-Heuristics-master/Fyp-Work-master/Slides/Presentation With Weka app.pptx
+++ b/Global-optimization-using-meta-Heuristics-master (1)/Global-optimization-using-meta-Heuristics-master/Fyp-Work-master/Slides/Presentation With Weka app.pptx
@@ -355,7 +355,7 @@
           <a:p>
             <a:fld id="{7A5BC5BA-C158-4297-8C32-A7F0BCFD01C2}" type="datetimeFigureOut">
               <a:rPr lang="en-PK" smtClean="0"/>
-              <a:t>04/14/2019</a:t>
+              <a:t>04/16/2019</a:t>
             </a:fld>
             <a:endParaRPr lang="en-PK"/>
           </a:p>
@@ -568,7 +568,7 @@
           <a:p>
             <a:fld id="{7A5BC5BA-C158-4297-8C32-A7F0BCFD01C2}" type="datetimeFigureOut">
               <a:rPr lang="en-PK" smtClean="0"/>
-              <a:t>04/14/2019</a:t>
+              <a:t>04/16/2019</a:t>
             </a:fld>
             <a:endParaRPr lang="en-PK"/>
           </a:p>
@@ -824,7 +824,7 @@
           <a:p>
             <a:fld id="{7A5BC5BA-C158-4297-8C32-A7F0BCFD01C2}" type="datetimeFigureOut">
               <a:rPr lang="en-PK" smtClean="0"/>
-              <a:t>04/14/2019</a:t>
+              <a:t>04/16/2019</a:t>
             </a:fld>
             <a:endParaRPr lang="en-PK"/>
           </a:p>
@@ -1003,7 +1003,7 @@
           <a:p>
             <a:fld id="{7A5BC5BA-C158-4297-8C32-A7F0BCFD01C2}" type="datetimeFigureOut">
               <a:rPr lang="en-PK" smtClean="0"/>
-              <a:t>04/14/2019</a:t>
+              <a:t>04/16/2019</a:t>
             </a:fld>
             <a:endParaRPr lang="en-PK"/>
           </a:p>
@@ -1346,7 +1346,7 @@
           <a:p>
             <a:fld id="{7A5BC5BA-C158-4297-8C32-A7F0BCFD01C2}" type="datetimeFigureOut">
               <a:rPr lang="en-PK" smtClean="0"/>
-              <a:t>04/14/2019</a:t>
+              <a:t>04/16/2019</a:t>
             </a:fld>
             <a:endParaRPr lang="en-PK"/>
           </a:p>
@@ -1626,7 +1626,7 @@
           <a:p>
             <a:fld id="{7A5BC5BA-C158-4297-8C32-A7F0BCFD01C2}" type="datetimeFigureOut">
               <a:rPr lang="en-PK" smtClean="0"/>
-              <a:t>04/14/2019</a:t>
+              <a:t>04/16/2019</a:t>
             </a:fld>
             <a:endParaRPr lang="en-PK"/>
           </a:p>
@@ -2005,7 +2005,7 @@
           <a:p>
             <a:fld id="{7A5BC5BA-C158-4297-8C32-A7F0BCFD01C2}" type="datetimeFigureOut">
               <a:rPr lang="en-PK" smtClean="0"/>
-              <a:t>04/14/2019</a:t>
+              <a:t>04/16/2019</a:t>
             </a:fld>
             <a:endParaRPr lang="en-PK"/>
           </a:p>
@@ -2123,7 +2123,7 @@
           <a:p>
             <a:fld id="{7A5BC5BA-C158-4297-8C32-A7F0BCFD01C2}" type="datetimeFigureOut">
               <a:rPr lang="en-PK" smtClean="0"/>
-              <a:t>04/14/2019</a:t>
+              <a:t>04/16/2019</a:t>
             </a:fld>
             <a:endParaRPr lang="en-PK"/>
           </a:p>
@@ -2294,7 +2294,7 @@
           <a:p>
             <a:fld id="{7A5BC5BA-C158-4297-8C32-A7F0BCFD01C2}" type="datetimeFigureOut">
               <a:rPr lang="en-PK" smtClean="0"/>
-              <a:t>04/14/2019</a:t>
+              <a:t>04/16/2019</a:t>
             </a:fld>
             <a:endParaRPr lang="en-PK"/>
           </a:p>
@@ -2648,7 +2648,7 @@
           <a:p>
             <a:fld id="{7A5BC5BA-C158-4297-8C32-A7F0BCFD01C2}" type="datetimeFigureOut">
               <a:rPr lang="en-PK" smtClean="0"/>
-              <a:t>04/14/2019</a:t>
+              <a:t>04/16/2019</a:t>
             </a:fld>
             <a:endParaRPr lang="en-PK"/>
           </a:p>
@@ -3030,7 +3030,7 @@
           <a:p>
             <a:fld id="{7A5BC5BA-C158-4297-8C32-A7F0BCFD01C2}" type="datetimeFigureOut">
               <a:rPr lang="en-PK" smtClean="0"/>
-              <a:t>04/14/2019</a:t>
+              <a:t>04/16/2019</a:t>
             </a:fld>
             <a:endParaRPr lang="en-PK"/>
           </a:p>
@@ -3317,7 +3317,7 @@
           <a:p>
             <a:fld id="{7A5BC5BA-C158-4297-8C32-A7F0BCFD01C2}" type="datetimeFigureOut">
               <a:rPr lang="en-PK" smtClean="0"/>
-              <a:t>04/14/2019</a:t>
+              <a:t>04/16/2019</a:t>
             </a:fld>
             <a:endParaRPr lang="en-PK"/>
           </a:p>
@@ -5248,7 +5248,7 @@
                 <a:hlinkClick r:id="rId2">
                   <a:extLst>
                     <a:ext uri="{A12FA001-AC4F-418D-AE19-62706E023703}">
-                      <ahyp:hlinkClr xmlns:ahyp="http://schemas.microsoft.com/office/drawing/2018/hyperlinkcolor" val="tx"/>
+                      <ahyp:hlinkClr xmlns:ahyp="http://schemas.microsoft.com/office/drawing/2018/hyperlinkcolor" xmlns="" val="tx"/>
                     </a:ext>
                   </a:extLst>
                 </a:hlinkClick>
@@ -5457,7 +5457,7 @@
                 <a:hlinkClick r:id="rId2">
                   <a:extLst>
                     <a:ext uri="{A12FA001-AC4F-418D-AE19-62706E023703}">
-                      <ahyp:hlinkClr xmlns:ahyp="http://schemas.microsoft.com/office/drawing/2018/hyperlinkcolor" val="tx"/>
+                      <ahyp:hlinkClr xmlns:ahyp="http://schemas.microsoft.com/office/drawing/2018/hyperlinkcolor" xmlns="" val="tx"/>
                     </a:ext>
                   </a:extLst>
                 </a:hlinkClick>
@@ -5486,9 +5486,17 @@
             <a:br>
               <a:rPr lang="en-US" dirty="0"/>
             </a:br>
+            <a:r>
+              <a:rPr lang="en-US" dirty="0"/>
+              <a:t/>
+            </a:r>
             <a:br>
               <a:rPr lang="en-US" dirty="0"/>
             </a:br>
+            <a:r>
+              <a:rPr lang="en-US" dirty="0"/>
+              <a:t/>
+            </a:r>
             <a:br>
               <a:rPr lang="en-US" dirty="0"/>
             </a:br>
@@ -5636,7 +5644,7 @@
                 <a:hlinkClick r:id="rId2">
                   <a:extLst>
                     <a:ext uri="{A12FA001-AC4F-418D-AE19-62706E023703}">
-                      <ahyp:hlinkClr xmlns:ahyp="http://schemas.microsoft.com/office/drawing/2018/hyperlinkcolor" val="tx"/>
+                      <ahyp:hlinkClr xmlns:ahyp="http://schemas.microsoft.com/office/drawing/2018/hyperlinkcolor" xmlns="" val="tx"/>
                     </a:ext>
                   </a:extLst>
                 </a:hlinkClick>
@@ -6367,6 +6375,10 @@
             <a:endParaRPr lang="en-US" dirty="0"/>
           </a:p>
           <a:p>
+            <a:r>
+              <a:rPr lang="en-US" dirty="0"/>
+              <a:t/>
+            </a:r>
             <a:br>
               <a:rPr lang="en-US" dirty="0"/>
             </a:br>
@@ -7669,121 +7681,8 @@
             </a:pPr>
             <a:endParaRPr lang="en-US" dirty="0"/>
           </a:p>
-          <a:p>
-            <a:r>
-              <a:rPr lang="en-US" b="1" dirty="0"/>
-              <a:t>Examples:</a:t>
-            </a:r>
-          </a:p>
-          <a:p>
-            <a:endParaRPr lang="en-US" dirty="0"/>
-          </a:p>
-          <a:p>
-            <a:pPr>
-              <a:buFont typeface="Wingdings" panose="05000000000000000000" pitchFamily="2" charset="2"/>
-              <a:buChar char="§"/>
-            </a:pPr>
-            <a:r>
-              <a:rPr lang="en-US" dirty="0"/>
-              <a:t> Travelling sales Person (TSP)        </a:t>
-            </a:r>
-          </a:p>
-          <a:p>
-            <a:pPr>
-              <a:buFont typeface="Wingdings" panose="05000000000000000000" pitchFamily="2" charset="2"/>
-              <a:buChar char="§"/>
-            </a:pPr>
-            <a:r>
-              <a:rPr lang="en-US" dirty="0"/>
-              <a:t> Vacuum World problem</a:t>
-            </a:r>
-            <a:endParaRPr lang="en-PK" dirty="0"/>
-          </a:p>
-        </p:txBody>
-      </p:sp>
-      <p:pic>
-        <p:nvPicPr>
-          <p:cNvPr id="4" name="Picture 3" descr="http://www.cs.bham.ac.uk/~mmk/Teaching/AI/figures/search-bulgaria2.jpg">
-            <a:extLst>
-              <a:ext uri="{FF2B5EF4-FFF2-40B4-BE49-F238E27FC236}">
-                <a16:creationId xmlns:a16="http://schemas.microsoft.com/office/drawing/2014/main" id="{42F50BB5-FE51-4BBF-B1C2-366A92A5A827}"/>
-              </a:ext>
-            </a:extLst>
-          </p:cNvPr>
-          <p:cNvPicPr>
-            <a:picLocks noChangeAspect="1" noChangeArrowheads="1"/>
-          </p:cNvPicPr>
-          <p:nvPr/>
-        </p:nvPicPr>
-        <p:blipFill>
-          <a:blip r:embed="rId2">
-            <a:extLst>
-              <a:ext uri="{28A0092B-C50C-407E-A947-70E740481C1C}">
-                <a14:useLocalDpi xmlns:a14="http://schemas.microsoft.com/office/drawing/2010/main" val="0"/>
-              </a:ext>
-            </a:extLst>
-          </a:blip>
-          <a:srcRect/>
-          <a:stretch>
-            <a:fillRect/>
-          </a:stretch>
-        </p:blipFill>
-        <p:spPr bwMode="auto">
-          <a:xfrm>
-            <a:off x="7997025" y="3150296"/>
-            <a:ext cx="3794760" cy="2216833"/>
-          </a:xfrm>
-          <a:prstGeom prst="rect">
-            <a:avLst/>
-          </a:prstGeom>
-          <a:noFill/>
-          <a:extLst>
-            <a:ext uri="{909E8E84-426E-40DD-AFC4-6F175D3DCCD1}">
-              <a14:hiddenFill xmlns:a14="http://schemas.microsoft.com/office/drawing/2010/main">
-                <a:solidFill>
-                  <a:srgbClr val="FFFFFF"/>
-                </a:solidFill>
-              </a14:hiddenFill>
-            </a:ext>
-          </a:extLst>
-        </p:spPr>
-      </p:pic>
-      <p:pic>
-        <p:nvPicPr>
-          <p:cNvPr id="5" name="Picture 4">
-            <a:extLst>
-              <a:ext uri="{FF2B5EF4-FFF2-40B4-BE49-F238E27FC236}">
-                <a16:creationId xmlns:a16="http://schemas.microsoft.com/office/drawing/2014/main" id="{33DC755D-C18E-42B9-ADB8-D0EF0B271FF6}"/>
-              </a:ext>
-            </a:extLst>
-          </p:cNvPr>
-          <p:cNvPicPr>
-            <a:picLocks noChangeAspect="1"/>
-          </p:cNvPicPr>
-          <p:nvPr/>
-        </p:nvPicPr>
-        <p:blipFill>
-          <a:blip r:embed="rId3">
-            <a:extLst>
-              <a:ext uri="{28A0092B-C50C-407E-A947-70E740481C1C}">
-                <a14:useLocalDpi xmlns:a14="http://schemas.microsoft.com/office/drawing/2010/main" val="0"/>
-              </a:ext>
-            </a:extLst>
-          </a:blip>
-          <a:stretch>
-            <a:fillRect/>
-          </a:stretch>
-        </p:blipFill>
-        <p:spPr>
-          <a:xfrm>
-            <a:off x="3571837" y="3188117"/>
-            <a:ext cx="4300483" cy="2179012"/>
-          </a:xfrm>
-          <a:prstGeom prst="rect">
-            <a:avLst/>
-          </a:prstGeom>
-        </p:spPr>
-      </p:pic>
+        </p:txBody>
+      </p:sp>
     </p:spTree>
     <p:extLst>
       <p:ext uri="{BB962C8B-B14F-4D97-AF65-F5344CB8AC3E}">
@@ -8004,6 +7903,13 @@
           </a:bodyPr>
           <a:lstStyle/>
           <a:p>
+            <a:r>
+              <a:rPr lang="en-US" b="1" dirty="0">
+                <a:latin typeface="Times New Roman" panose="02020603050405020304" pitchFamily="18" charset="0"/>
+                <a:cs typeface="Times New Roman" panose="02020603050405020304" pitchFamily="18" charset="0"/>
+              </a:rPr>
+              <a:t/>
+            </a:r>
             <a:br>
               <a:rPr lang="en-US" b="1" dirty="0">
                 <a:latin typeface="Times New Roman" panose="02020603050405020304" pitchFamily="18" charset="0"/>
@@ -8023,12 +7929,26 @@
                 <a:cs typeface="Times New Roman" panose="02020603050405020304" pitchFamily="18" charset="0"/>
               </a:rPr>
             </a:br>
+            <a:r>
+              <a:rPr lang="en-US" b="1" dirty="0">
+                <a:latin typeface="Times New Roman" panose="02020603050405020304" pitchFamily="18" charset="0"/>
+                <a:cs typeface="Times New Roman" panose="02020603050405020304" pitchFamily="18" charset="0"/>
+              </a:rPr>
+              <a:t/>
+            </a:r>
             <a:br>
               <a:rPr lang="en-US" b="1" dirty="0">
                 <a:latin typeface="Times New Roman" panose="02020603050405020304" pitchFamily="18" charset="0"/>
                 <a:cs typeface="Times New Roman" panose="02020603050405020304" pitchFamily="18" charset="0"/>
               </a:rPr>
             </a:br>
+            <a:r>
+              <a:rPr lang="en-US" b="1" dirty="0">
+                <a:latin typeface="Times New Roman" panose="02020603050405020304" pitchFamily="18" charset="0"/>
+                <a:cs typeface="Times New Roman" panose="02020603050405020304" pitchFamily="18" charset="0"/>
+              </a:rPr>
+              <a:t/>
+            </a:r>
             <a:br>
               <a:rPr lang="en-US" b="1" dirty="0">
                 <a:latin typeface="Times New Roman" panose="02020603050405020304" pitchFamily="18" charset="0"/>
@@ -8435,7 +8355,7 @@
           <p:nvPr/>
         </p:nvPicPr>
         <p:blipFill>
-          <a:blip r:embed="rId2">
+          <a:blip r:embed="rId2" cstate="hqprint">
             <a:extLst>
               <a:ext uri="{28A0092B-C50C-407E-A947-70E740481C1C}">
                 <a14:useLocalDpi xmlns:a14="http://schemas.microsoft.com/office/drawing/2010/main" val="0"/>
